--- a/리눅스(v2023)/과제PPT/리눅스10강PPT.pptx
+++ b/리눅스(v2023)/과제PPT/리눅스10강PPT.pptx
@@ -52,18 +52,19 @@
     <p:sldId id="340" r:id="rId46"/>
     <p:sldId id="341" r:id="rId47"/>
     <p:sldId id="342" r:id="rId48"/>
-    <p:sldId id="344" r:id="rId49"/>
-    <p:sldId id="345" r:id="rId50"/>
-    <p:sldId id="346" r:id="rId51"/>
-    <p:sldId id="347" r:id="rId52"/>
-    <p:sldId id="348" r:id="rId53"/>
-    <p:sldId id="349" r:id="rId54"/>
-    <p:sldId id="350" r:id="rId55"/>
-    <p:sldId id="353" r:id="rId56"/>
-    <p:sldId id="351" r:id="rId57"/>
-    <p:sldId id="352" r:id="rId58"/>
-    <p:sldId id="306" r:id="rId59"/>
-    <p:sldId id="307" r:id="rId60"/>
+    <p:sldId id="355" r:id="rId49"/>
+    <p:sldId id="344" r:id="rId50"/>
+    <p:sldId id="345" r:id="rId51"/>
+    <p:sldId id="346" r:id="rId52"/>
+    <p:sldId id="347" r:id="rId53"/>
+    <p:sldId id="348" r:id="rId54"/>
+    <p:sldId id="349" r:id="rId55"/>
+    <p:sldId id="350" r:id="rId56"/>
+    <p:sldId id="353" r:id="rId57"/>
+    <p:sldId id="351" r:id="rId58"/>
+    <p:sldId id="352" r:id="rId59"/>
+    <p:sldId id="306" r:id="rId60"/>
+    <p:sldId id="307" r:id="rId61"/>
   </p:sldIdLst>
   <p:sldSz cx="12192000" cy="6858000"/>
   <p:notesSz cx="6858000" cy="9144000"/>
@@ -366,7 +367,7 @@
           <a:p>
             <a:fld id="{96DFF08F-DC6B-4601-B491-B0F83F6DD2DA}" type="datetimeFigureOut">
               <a:rPr lang="en-US" smtClean="0"/>
-              <a:t>4/20/2023</a:t>
+              <a:t>4/21/2023</a:t>
             </a:fld>
             <a:endParaRPr lang="en-US" dirty="0"/>
           </a:p>
@@ -587,7 +588,7 @@
           <a:p>
             <a:fld id="{96DFF08F-DC6B-4601-B491-B0F83F6DD2DA}" type="datetimeFigureOut">
               <a:rPr lang="en-US" smtClean="0"/>
-              <a:t>4/20/2023</a:t>
+              <a:t>4/21/2023</a:t>
             </a:fld>
             <a:endParaRPr lang="en-US" dirty="0"/>
           </a:p>
@@ -767,7 +768,7 @@
           <a:p>
             <a:fld id="{96DFF08F-DC6B-4601-B491-B0F83F6DD2DA}" type="datetimeFigureOut">
               <a:rPr lang="en-US" smtClean="0"/>
-              <a:t>4/20/2023</a:t>
+              <a:t>4/21/2023</a:t>
             </a:fld>
             <a:endParaRPr lang="en-US" dirty="0"/>
           </a:p>
@@ -937,7 +938,7 @@
           <a:p>
             <a:fld id="{96DFF08F-DC6B-4601-B491-B0F83F6DD2DA}" type="datetimeFigureOut">
               <a:rPr lang="en-US" smtClean="0"/>
-              <a:t>4/20/2023</a:t>
+              <a:t>4/21/2023</a:t>
             </a:fld>
             <a:endParaRPr lang="en-US" dirty="0"/>
           </a:p>
@@ -1188,7 +1189,7 @@
           <a:p>
             <a:fld id="{96DFF08F-DC6B-4601-B491-B0F83F6DD2DA}" type="datetimeFigureOut">
               <a:rPr lang="en-US" smtClean="0"/>
-              <a:t>4/20/2023</a:t>
+              <a:t>4/21/2023</a:t>
             </a:fld>
             <a:endParaRPr lang="en-US" dirty="0"/>
           </a:p>
@@ -1511,7 +1512,7 @@
           <a:p>
             <a:fld id="{96DFF08F-DC6B-4601-B491-B0F83F6DD2DA}" type="datetimeFigureOut">
               <a:rPr lang="en-US" smtClean="0"/>
-              <a:t>4/20/2023</a:t>
+              <a:t>4/21/2023</a:t>
             </a:fld>
             <a:endParaRPr lang="en-US" dirty="0"/>
           </a:p>
@@ -1935,7 +1936,7 @@
           <a:p>
             <a:fld id="{96DFF08F-DC6B-4601-B491-B0F83F6DD2DA}" type="datetimeFigureOut">
               <a:rPr lang="en-US" smtClean="0"/>
-              <a:t>4/20/2023</a:t>
+              <a:t>4/21/2023</a:t>
             </a:fld>
             <a:endParaRPr lang="en-US" dirty="0"/>
           </a:p>
@@ -2053,7 +2054,7 @@
           <a:p>
             <a:fld id="{96DFF08F-DC6B-4601-B491-B0F83F6DD2DA}" type="datetimeFigureOut">
               <a:rPr lang="en-US" smtClean="0"/>
-              <a:t>4/20/2023</a:t>
+              <a:t>4/21/2023</a:t>
             </a:fld>
             <a:endParaRPr lang="en-US" dirty="0"/>
           </a:p>
@@ -2148,7 +2149,7 @@
           <a:p>
             <a:fld id="{96DFF08F-DC6B-4601-B491-B0F83F6DD2DA}" type="datetimeFigureOut">
               <a:rPr lang="en-US" smtClean="0"/>
-              <a:t>4/20/2023</a:t>
+              <a:t>4/21/2023</a:t>
             </a:fld>
             <a:endParaRPr lang="en-US" dirty="0"/>
           </a:p>
@@ -2438,7 +2439,7 @@
           <a:p>
             <a:fld id="{96DFF08F-DC6B-4601-B491-B0F83F6DD2DA}" type="datetimeFigureOut">
               <a:rPr lang="en-US" smtClean="0"/>
-              <a:t>4/20/2023</a:t>
+              <a:t>4/21/2023</a:t>
             </a:fld>
             <a:endParaRPr lang="en-US" dirty="0"/>
           </a:p>
@@ -2710,7 +2711,7 @@
           <a:p>
             <a:fld id="{96DFF08F-DC6B-4601-B491-B0F83F6DD2DA}" type="datetimeFigureOut">
               <a:rPr lang="en-US" smtClean="0"/>
-              <a:t>4/20/2023</a:t>
+              <a:t>4/21/2023</a:t>
             </a:fld>
             <a:endParaRPr lang="en-US" dirty="0"/>
           </a:p>
@@ -2965,7 +2966,7 @@
             <a:fld id="{96DFF08F-DC6B-4601-B491-B0F83F6DD2DA}" type="datetimeFigureOut">
               <a:rPr lang="en-US" smtClean="0"/>
               <a:pPr/>
-              <a:t>4/20/2023</a:t>
+              <a:t>4/21/2023</a:t>
             </a:fld>
             <a:endParaRPr lang="en-US" dirty="0"/>
           </a:p>
@@ -10861,7 +10862,7 @@
       </p:grpSpPr>
       <p:pic>
         <p:nvPicPr>
-          <p:cNvPr id="3" name="그림 2"/>
+          <p:cNvPr id="2" name="그림 1"/>
           <p:cNvPicPr>
             <a:picLocks noChangeAspect="1"/>
           </p:cNvPicPr>
@@ -10875,117 +10876,90 @@
         </p:blipFill>
         <p:spPr>
           <a:xfrm>
-            <a:off x="423416" y="409403"/>
-            <a:ext cx="11292334" cy="4341911"/>
+            <a:off x="451448" y="1713382"/>
+            <a:ext cx="5434122" cy="2341115"/>
           </a:xfrm>
           <a:prstGeom prst="rect">
             <a:avLst/>
           </a:prstGeom>
         </p:spPr>
       </p:pic>
-      <p:sp>
-        <p:nvSpPr>
-          <p:cNvPr id="4" name="TextBox 3"/>
-          <p:cNvSpPr txBox="1"/>
-          <p:nvPr/>
-        </p:nvSpPr>
-        <p:spPr>
-          <a:xfrm>
-            <a:off x="423416" y="4895850"/>
-            <a:ext cx="11292334" cy="1200329"/>
-          </a:xfrm>
-          <a:prstGeom prst="rect">
-            <a:avLst/>
-          </a:prstGeom>
-          <a:noFill/>
-        </p:spPr>
-        <p:txBody>
-          <a:bodyPr wrap="square" rtlCol="0">
-            <a:spAutoFit/>
-          </a:bodyPr>
-          <a:lstStyle/>
-          <a:p>
-            <a:r>
-              <a:rPr lang="en-US" altLang="ko-KR" dirty="0"/>
-              <a:t>1-1) </a:t>
-            </a:r>
-            <a:r>
-              <a:rPr lang="en-US" altLang="ko" dirty="0" err="1"/>
-              <a:t>sar</a:t>
-            </a:r>
-            <a:r>
-              <a:rPr lang="en-US" altLang="ko" dirty="0"/>
-              <a:t> 1 1</a:t>
-            </a:r>
-            <a:endParaRPr lang="ko" altLang="en-US" dirty="0"/>
-          </a:p>
-          <a:p>
-            <a:r>
-              <a:rPr lang="en-US" altLang="ko" dirty="0"/>
-              <a:t>1-2) </a:t>
-            </a:r>
-            <a:r>
-              <a:rPr lang="en-US" altLang="ko" dirty="0" err="1"/>
-              <a:t>sar</a:t>
-            </a:r>
-            <a:r>
-              <a:rPr lang="en-US" altLang="ko" dirty="0"/>
-              <a:t> 1 1| grep Average</a:t>
-            </a:r>
-            <a:endParaRPr lang="ko" altLang="en-US" dirty="0"/>
-          </a:p>
-          <a:p>
-            <a:r>
-              <a:rPr lang="en-US" altLang="ko" dirty="0"/>
-              <a:t>1-3) </a:t>
-            </a:r>
-            <a:r>
-              <a:rPr lang="en-US" altLang="ko" dirty="0" err="1"/>
-              <a:t>sar</a:t>
-            </a:r>
-            <a:r>
-              <a:rPr lang="en-US" altLang="ko" dirty="0"/>
-              <a:t> 1 1| grep Average| </a:t>
-            </a:r>
-            <a:r>
-              <a:rPr lang="en-US" altLang="ko" dirty="0" err="1"/>
-              <a:t>awk</a:t>
-            </a:r>
-            <a:r>
-              <a:rPr lang="en-US" altLang="ko" dirty="0"/>
-              <a:t> '{print $8 }’</a:t>
-            </a:r>
-            <a:endParaRPr lang="ko" altLang="en-US" dirty="0"/>
-          </a:p>
-          <a:p>
-            <a:r>
-              <a:rPr lang="en-US" altLang="ko" dirty="0"/>
-              <a:t>1-4) </a:t>
-            </a:r>
-            <a:r>
-              <a:rPr lang="en-US" altLang="ko" dirty="0" err="1"/>
-              <a:t>sar</a:t>
-            </a:r>
-            <a:r>
-              <a:rPr lang="en-US" altLang="ko" dirty="0"/>
-              <a:t> 1 1|grep Average |</a:t>
-            </a:r>
-            <a:r>
-              <a:rPr lang="en-US" altLang="ko" dirty="0" err="1"/>
-              <a:t>awk</a:t>
-            </a:r>
-            <a:r>
-              <a:rPr lang="en-US" altLang="ko" dirty="0"/>
-              <a:t> '{ print "CPU_FREE=" $8 ";\n CPU_USED=“ 100-$8 “;”}’</a:t>
-            </a:r>
-            <a:endParaRPr lang="ko" altLang="en-US" dirty="0"/>
-          </a:p>
-        </p:txBody>
-      </p:sp>
+      <p:pic>
+        <p:nvPicPr>
+          <p:cNvPr id="3" name="그림 2"/>
+          <p:cNvPicPr>
+            <a:picLocks noChangeAspect="1"/>
+          </p:cNvPicPr>
+          <p:nvPr/>
+        </p:nvPicPr>
+        <p:blipFill>
+          <a:blip r:embed="rId3"/>
+          <a:stretch>
+            <a:fillRect/>
+          </a:stretch>
+        </p:blipFill>
+        <p:spPr>
+          <a:xfrm>
+            <a:off x="356185" y="274906"/>
+            <a:ext cx="5529385" cy="1272770"/>
+          </a:xfrm>
+          <a:prstGeom prst="rect">
+            <a:avLst/>
+          </a:prstGeom>
+        </p:spPr>
+      </p:pic>
+      <p:pic>
+        <p:nvPicPr>
+          <p:cNvPr id="4" name="그림 3"/>
+          <p:cNvPicPr>
+            <a:picLocks noChangeAspect="1"/>
+          </p:cNvPicPr>
+          <p:nvPr/>
+        </p:nvPicPr>
+        <p:blipFill>
+          <a:blip r:embed="rId4"/>
+          <a:stretch>
+            <a:fillRect/>
+          </a:stretch>
+        </p:blipFill>
+        <p:spPr>
+          <a:xfrm>
+            <a:off x="6162017" y="394477"/>
+            <a:ext cx="5666543" cy="5931895"/>
+          </a:xfrm>
+          <a:prstGeom prst="rect">
+            <a:avLst/>
+          </a:prstGeom>
+        </p:spPr>
+      </p:pic>
+      <p:pic>
+        <p:nvPicPr>
+          <p:cNvPr id="5" name="그림 4"/>
+          <p:cNvPicPr>
+            <a:picLocks noChangeAspect="1"/>
+          </p:cNvPicPr>
+          <p:nvPr/>
+        </p:nvPicPr>
+        <p:blipFill>
+          <a:blip r:embed="rId5"/>
+          <a:stretch>
+            <a:fillRect/>
+          </a:stretch>
+        </p:blipFill>
+        <p:spPr>
+          <a:xfrm>
+            <a:off x="451449" y="4054497"/>
+            <a:ext cx="5434122" cy="2537689"/>
+          </a:xfrm>
+          <a:prstGeom prst="rect">
+            <a:avLst/>
+          </a:prstGeom>
+        </p:spPr>
+      </p:pic>
     </p:spTree>
     <p:extLst>
       <p:ext uri="{BB962C8B-B14F-4D97-AF65-F5344CB8AC3E}">
-        <p14:creationId xmlns:p14="http://schemas.microsoft.com/office/powerpoint/2010/main" val="690861612"/>
+        <p14:creationId xmlns:p14="http://schemas.microsoft.com/office/powerpoint/2010/main" val="2797880271"/>
       </p:ext>
     </p:extLst>
   </p:cSld>
@@ -11012,92 +10986,9 @@
           <a:chExt cx="0" cy="0"/>
         </a:xfrm>
       </p:grpSpPr>
-      <p:sp>
-        <p:nvSpPr>
-          <p:cNvPr id="3" name="TextBox 2"/>
-          <p:cNvSpPr txBox="1"/>
-          <p:nvPr/>
-        </p:nvSpPr>
-        <p:spPr>
-          <a:xfrm>
-            <a:off x="371029" y="5314950"/>
-            <a:ext cx="9244431" cy="1200329"/>
-          </a:xfrm>
-          <a:prstGeom prst="rect">
-            <a:avLst/>
-          </a:prstGeom>
-          <a:noFill/>
-        </p:spPr>
-        <p:txBody>
-          <a:bodyPr wrap="square" rtlCol="0">
-            <a:spAutoFit/>
-          </a:bodyPr>
-          <a:lstStyle/>
-          <a:p>
-            <a:r>
-              <a:rPr lang="en-US" altLang="ko" dirty="0" smtClean="0"/>
-              <a:t>2-1)free</a:t>
-            </a:r>
-            <a:endParaRPr lang="ko" altLang="en-US" dirty="0"/>
-          </a:p>
-          <a:p>
-            <a:r>
-              <a:rPr lang="en-US" altLang="ko" dirty="0"/>
-              <a:t>3-1) </a:t>
-            </a:r>
-            <a:r>
-              <a:rPr lang="en-US" altLang="ko" dirty="0" err="1"/>
-              <a:t>df</a:t>
-            </a:r>
-            <a:r>
-              <a:rPr lang="en-US" altLang="ko" dirty="0"/>
-              <a:t> -k</a:t>
-            </a:r>
-            <a:endParaRPr lang="ko" altLang="en-US" dirty="0"/>
-          </a:p>
-          <a:p>
-            <a:r>
-              <a:rPr lang="en-US" altLang="ko" dirty="0"/>
-              <a:t>3-2) </a:t>
-            </a:r>
-            <a:r>
-              <a:rPr lang="en-US" altLang="ko" dirty="0" err="1"/>
-              <a:t>df</a:t>
-            </a:r>
-            <a:r>
-              <a:rPr lang="en-US" altLang="ko" dirty="0"/>
-              <a:t> -k | grep -v Filesystem </a:t>
-            </a:r>
-            <a:endParaRPr lang="ko" altLang="en-US" dirty="0"/>
-          </a:p>
-          <a:p>
-            <a:r>
-              <a:rPr lang="en-US" altLang="ko" dirty="0"/>
-              <a:t>3-3) </a:t>
-            </a:r>
-            <a:r>
-              <a:rPr lang="en-US" altLang="ko" dirty="0" err="1"/>
-              <a:t>df</a:t>
-            </a:r>
-            <a:r>
-              <a:rPr lang="en-US" altLang="ko" dirty="0"/>
-              <a:t> -k | grep -v Filesystem | </a:t>
-            </a:r>
-            <a:r>
-              <a:rPr lang="en-US" altLang="ko" dirty="0" err="1"/>
-              <a:t>awk</a:t>
-            </a:r>
-            <a:r>
-              <a:rPr lang="en-US" altLang="ko" dirty="0"/>
-              <a:t> '{sum += $4} END { print "DSK_FREE=" sum ";" }'</a:t>
-            </a:r>
-            <a:endParaRPr lang="ko" altLang="en-US" dirty="0"/>
-          </a:p>
-        </p:txBody>
-      </p:sp>
       <p:pic>
         <p:nvPicPr>
-          <p:cNvPr id="4" name="그림 3"/>
+          <p:cNvPr id="3" name="그림 2"/>
           <p:cNvPicPr>
             <a:picLocks noChangeAspect="1"/>
           </p:cNvPicPr>
@@ -11111,18 +11002,117 @@
         </p:blipFill>
         <p:spPr>
           <a:xfrm>
-            <a:off x="371029" y="380314"/>
-            <a:ext cx="8111641" cy="4782236"/>
+            <a:off x="423416" y="409403"/>
+            <a:ext cx="11292334" cy="4341911"/>
           </a:xfrm>
           <a:prstGeom prst="rect">
             <a:avLst/>
           </a:prstGeom>
         </p:spPr>
       </p:pic>
+      <p:sp>
+        <p:nvSpPr>
+          <p:cNvPr id="4" name="TextBox 3"/>
+          <p:cNvSpPr txBox="1"/>
+          <p:nvPr/>
+        </p:nvSpPr>
+        <p:spPr>
+          <a:xfrm>
+            <a:off x="423416" y="4895850"/>
+            <a:ext cx="11292334" cy="1200329"/>
+          </a:xfrm>
+          <a:prstGeom prst="rect">
+            <a:avLst/>
+          </a:prstGeom>
+          <a:noFill/>
+        </p:spPr>
+        <p:txBody>
+          <a:bodyPr wrap="square" rtlCol="0">
+            <a:spAutoFit/>
+          </a:bodyPr>
+          <a:lstStyle/>
+          <a:p>
+            <a:r>
+              <a:rPr lang="en-US" altLang="ko-KR" dirty="0"/>
+              <a:t>1-1) </a:t>
+            </a:r>
+            <a:r>
+              <a:rPr lang="en-US" altLang="ko" dirty="0" err="1"/>
+              <a:t>sar</a:t>
+            </a:r>
+            <a:r>
+              <a:rPr lang="en-US" altLang="ko" dirty="0"/>
+              <a:t> 1 1</a:t>
+            </a:r>
+            <a:endParaRPr lang="ko" altLang="en-US" dirty="0"/>
+          </a:p>
+          <a:p>
+            <a:r>
+              <a:rPr lang="en-US" altLang="ko" dirty="0"/>
+              <a:t>1-2) </a:t>
+            </a:r>
+            <a:r>
+              <a:rPr lang="en-US" altLang="ko" dirty="0" err="1"/>
+              <a:t>sar</a:t>
+            </a:r>
+            <a:r>
+              <a:rPr lang="en-US" altLang="ko" dirty="0"/>
+              <a:t> 1 1| grep Average</a:t>
+            </a:r>
+            <a:endParaRPr lang="ko" altLang="en-US" dirty="0"/>
+          </a:p>
+          <a:p>
+            <a:r>
+              <a:rPr lang="en-US" altLang="ko" dirty="0"/>
+              <a:t>1-3) </a:t>
+            </a:r>
+            <a:r>
+              <a:rPr lang="en-US" altLang="ko" dirty="0" err="1"/>
+              <a:t>sar</a:t>
+            </a:r>
+            <a:r>
+              <a:rPr lang="en-US" altLang="ko" dirty="0"/>
+              <a:t> 1 1| grep Average| </a:t>
+            </a:r>
+            <a:r>
+              <a:rPr lang="en-US" altLang="ko" dirty="0" err="1"/>
+              <a:t>awk</a:t>
+            </a:r>
+            <a:r>
+              <a:rPr lang="en-US" altLang="ko" dirty="0"/>
+              <a:t> '{print $8 }’</a:t>
+            </a:r>
+            <a:endParaRPr lang="ko" altLang="en-US" dirty="0"/>
+          </a:p>
+          <a:p>
+            <a:r>
+              <a:rPr lang="en-US" altLang="ko" dirty="0"/>
+              <a:t>1-4) </a:t>
+            </a:r>
+            <a:r>
+              <a:rPr lang="en-US" altLang="ko" dirty="0" err="1"/>
+              <a:t>sar</a:t>
+            </a:r>
+            <a:r>
+              <a:rPr lang="en-US" altLang="ko" dirty="0"/>
+              <a:t> 1 1|grep Average |</a:t>
+            </a:r>
+            <a:r>
+              <a:rPr lang="en-US" altLang="ko" dirty="0" err="1"/>
+              <a:t>awk</a:t>
+            </a:r>
+            <a:r>
+              <a:rPr lang="en-US" altLang="ko" dirty="0"/>
+              <a:t> '{ print "CPU_FREE=" $8 ";\n CPU_USED=“ 100-$8 “;”}’</a:t>
+            </a:r>
+            <a:endParaRPr lang="ko" altLang="en-US" dirty="0"/>
+          </a:p>
+        </p:txBody>
+      </p:sp>
     </p:spTree>
     <p:extLst>
       <p:ext uri="{BB962C8B-B14F-4D97-AF65-F5344CB8AC3E}">
-        <p14:creationId xmlns:p14="http://schemas.microsoft.com/office/powerpoint/2010/main" val="2451870326"/>
+        <p14:creationId xmlns:p14="http://schemas.microsoft.com/office/powerpoint/2010/main" val="690861612"/>
       </p:ext>
     </p:extLst>
   </p:cSld>
@@ -11243,9 +11233,92 @@
           <a:chExt cx="0" cy="0"/>
         </a:xfrm>
       </p:grpSpPr>
+      <p:sp>
+        <p:nvSpPr>
+          <p:cNvPr id="3" name="TextBox 2"/>
+          <p:cNvSpPr txBox="1"/>
+          <p:nvPr/>
+        </p:nvSpPr>
+        <p:spPr>
+          <a:xfrm>
+            <a:off x="371029" y="5314950"/>
+            <a:ext cx="9244431" cy="1200329"/>
+          </a:xfrm>
+          <a:prstGeom prst="rect">
+            <a:avLst/>
+          </a:prstGeom>
+          <a:noFill/>
+        </p:spPr>
+        <p:txBody>
+          <a:bodyPr wrap="square" rtlCol="0">
+            <a:spAutoFit/>
+          </a:bodyPr>
+          <a:lstStyle/>
+          <a:p>
+            <a:r>
+              <a:rPr lang="en-US" altLang="ko" dirty="0" smtClean="0"/>
+              <a:t>2-1)free</a:t>
+            </a:r>
+            <a:endParaRPr lang="ko" altLang="en-US" dirty="0"/>
+          </a:p>
+          <a:p>
+            <a:r>
+              <a:rPr lang="en-US" altLang="ko" dirty="0"/>
+              <a:t>3-1) </a:t>
+            </a:r>
+            <a:r>
+              <a:rPr lang="en-US" altLang="ko" dirty="0" err="1"/>
+              <a:t>df</a:t>
+            </a:r>
+            <a:r>
+              <a:rPr lang="en-US" altLang="ko" dirty="0"/>
+              <a:t> -k</a:t>
+            </a:r>
+            <a:endParaRPr lang="ko" altLang="en-US" dirty="0"/>
+          </a:p>
+          <a:p>
+            <a:r>
+              <a:rPr lang="en-US" altLang="ko" dirty="0"/>
+              <a:t>3-2) </a:t>
+            </a:r>
+            <a:r>
+              <a:rPr lang="en-US" altLang="ko" dirty="0" err="1"/>
+              <a:t>df</a:t>
+            </a:r>
+            <a:r>
+              <a:rPr lang="en-US" altLang="ko" dirty="0"/>
+              <a:t> -k | grep -v Filesystem </a:t>
+            </a:r>
+            <a:endParaRPr lang="ko" altLang="en-US" dirty="0"/>
+          </a:p>
+          <a:p>
+            <a:r>
+              <a:rPr lang="en-US" altLang="ko" dirty="0"/>
+              <a:t>3-3) </a:t>
+            </a:r>
+            <a:r>
+              <a:rPr lang="en-US" altLang="ko" dirty="0" err="1"/>
+              <a:t>df</a:t>
+            </a:r>
+            <a:r>
+              <a:rPr lang="en-US" altLang="ko" dirty="0"/>
+              <a:t> -k | grep -v Filesystem | </a:t>
+            </a:r>
+            <a:r>
+              <a:rPr lang="en-US" altLang="ko" dirty="0" err="1"/>
+              <a:t>awk</a:t>
+            </a:r>
+            <a:r>
+              <a:rPr lang="en-US" altLang="ko" dirty="0"/>
+              <a:t> '{sum += $4} END { print "DSK_FREE=" sum ";" }'</a:t>
+            </a:r>
+            <a:endParaRPr lang="ko" altLang="en-US" dirty="0"/>
+          </a:p>
+        </p:txBody>
+      </p:sp>
       <p:pic>
         <p:nvPicPr>
-          <p:cNvPr id="3" name="그림 2"/>
+          <p:cNvPr id="4" name="그림 3"/>
           <p:cNvPicPr>
             <a:picLocks noChangeAspect="1"/>
           </p:cNvPicPr>
@@ -11259,66 +11332,8 @@
         </p:blipFill>
         <p:spPr>
           <a:xfrm>
-            <a:off x="413757" y="933913"/>
-            <a:ext cx="10093822" cy="4728950"/>
-          </a:xfrm>
-          <a:prstGeom prst="rect">
-            <a:avLst/>
-          </a:prstGeom>
-        </p:spPr>
-      </p:pic>
-      <p:sp>
-        <p:nvSpPr>
-          <p:cNvPr id="4" name="TextBox 3"/>
-          <p:cNvSpPr txBox="1"/>
-          <p:nvPr/>
-        </p:nvSpPr>
-        <p:spPr>
-          <a:xfrm>
-            <a:off x="413757" y="5887453"/>
-            <a:ext cx="4783885" cy="369332"/>
-          </a:xfrm>
-          <a:prstGeom prst="rect">
-            <a:avLst/>
-          </a:prstGeom>
-          <a:noFill/>
-        </p:spPr>
-        <p:txBody>
-          <a:bodyPr wrap="square" rtlCol="0">
-            <a:spAutoFit/>
-          </a:bodyPr>
-          <a:lstStyle/>
-          <a:p>
-            <a:r>
-              <a:rPr lang="en-US" altLang="ko-KR" dirty="0" smtClean="0"/>
-              <a:t>T1.txt </a:t>
-            </a:r>
-            <a:r>
-              <a:rPr lang="ko-KR" altLang="en-US" dirty="0" smtClean="0"/>
-              <a:t>파일 내용</a:t>
-            </a:r>
-            <a:endParaRPr lang="ko-KR" altLang="en-US" dirty="0"/>
-          </a:p>
-        </p:txBody>
-      </p:sp>
-      <p:pic>
-        <p:nvPicPr>
-          <p:cNvPr id="5" name="그림 4"/>
-          <p:cNvPicPr>
-            <a:picLocks noChangeAspect="1"/>
-          </p:cNvPicPr>
-          <p:nvPr/>
-        </p:nvPicPr>
-        <p:blipFill>
-          <a:blip r:embed="rId3"/>
-          <a:stretch>
-            <a:fillRect/>
-          </a:stretch>
-        </p:blipFill>
-        <p:spPr>
-          <a:xfrm>
-            <a:off x="413757" y="518796"/>
-            <a:ext cx="5085173" cy="415117"/>
+            <a:off x="371029" y="380314"/>
+            <a:ext cx="8111641" cy="4782236"/>
           </a:xfrm>
           <a:prstGeom prst="rect">
             <a:avLst/>
@@ -11328,7 +11343,7 @@
     </p:spTree>
     <p:extLst>
       <p:ext uri="{BB962C8B-B14F-4D97-AF65-F5344CB8AC3E}">
-        <p14:creationId xmlns:p14="http://schemas.microsoft.com/office/powerpoint/2010/main" val="2887405418"/>
+        <p14:creationId xmlns:p14="http://schemas.microsoft.com/office/powerpoint/2010/main" val="2451870326"/>
       </p:ext>
     </p:extLst>
   </p:cSld>
@@ -11355,61 +11370,9 @@
           <a:chExt cx="0" cy="0"/>
         </a:xfrm>
       </p:grpSpPr>
-      <p:sp>
-        <p:nvSpPr>
-          <p:cNvPr id="3" name="TextBox 2"/>
-          <p:cNvSpPr txBox="1"/>
-          <p:nvPr/>
-        </p:nvSpPr>
-        <p:spPr>
-          <a:xfrm>
-            <a:off x="365629" y="5037220"/>
-            <a:ext cx="7126034" cy="923330"/>
-          </a:xfrm>
-          <a:prstGeom prst="rect">
-            <a:avLst/>
-          </a:prstGeom>
-          <a:noFill/>
-        </p:spPr>
-        <p:txBody>
-          <a:bodyPr wrap="square" rtlCol="0">
-            <a:spAutoFit/>
-          </a:bodyPr>
-          <a:lstStyle/>
-          <a:p>
-            <a:r>
-              <a:rPr lang="en-US" altLang="ko-KR" dirty="0" smtClean="0"/>
-              <a:t>T2.txt </a:t>
-            </a:r>
-            <a:r>
-              <a:rPr lang="ko-KR" altLang="en-US" dirty="0" smtClean="0"/>
-              <a:t>파일 내용</a:t>
-            </a:r>
-            <a:endParaRPr lang="en-US" altLang="ko-KR" dirty="0" smtClean="0"/>
-          </a:p>
-          <a:p>
-            <a:endParaRPr lang="en-US" altLang="ko-KR" dirty="0"/>
-          </a:p>
-          <a:p>
-            <a:r>
-              <a:rPr lang="ko-KR" altLang="en-US" dirty="0" smtClean="0"/>
-              <a:t>이 부분에서 </a:t>
-            </a:r>
-            <a:r>
-              <a:rPr lang="en-US" altLang="ko-KR" dirty="0" err="1" smtClean="0"/>
-              <a:t>serverstatusTEST</a:t>
-            </a:r>
-            <a:r>
-              <a:rPr lang="ko-KR" altLang="en-US" dirty="0" smtClean="0"/>
-              <a:t>로 계산을 위해 쪼갠 부분들을 합쳐준다</a:t>
-            </a:r>
-            <a:endParaRPr lang="ko-KR" altLang="en-US" dirty="0"/>
-          </a:p>
-        </p:txBody>
-      </p:sp>
       <p:pic>
         <p:nvPicPr>
-          <p:cNvPr id="4" name="그림 3"/>
+          <p:cNvPr id="3" name="그림 2"/>
           <p:cNvPicPr>
             <a:picLocks noChangeAspect="1"/>
           </p:cNvPicPr>
@@ -11423,17 +11386,51 @@
         </p:blipFill>
         <p:spPr>
           <a:xfrm>
-            <a:off x="365629" y="503828"/>
-            <a:ext cx="5038296" cy="477769"/>
+            <a:off x="413757" y="933913"/>
+            <a:ext cx="10093822" cy="4728950"/>
           </a:xfrm>
           <a:prstGeom prst="rect">
             <a:avLst/>
           </a:prstGeom>
         </p:spPr>
       </p:pic>
+      <p:sp>
+        <p:nvSpPr>
+          <p:cNvPr id="4" name="TextBox 3"/>
+          <p:cNvSpPr txBox="1"/>
+          <p:nvPr/>
+        </p:nvSpPr>
+        <p:spPr>
+          <a:xfrm>
+            <a:off x="413757" y="5887453"/>
+            <a:ext cx="4783885" cy="369332"/>
+          </a:xfrm>
+          <a:prstGeom prst="rect">
+            <a:avLst/>
+          </a:prstGeom>
+          <a:noFill/>
+        </p:spPr>
+        <p:txBody>
+          <a:bodyPr wrap="square" rtlCol="0">
+            <a:spAutoFit/>
+          </a:bodyPr>
+          <a:lstStyle/>
+          <a:p>
+            <a:r>
+              <a:rPr lang="en-US" altLang="ko-KR" dirty="0" smtClean="0"/>
+              <a:t>T1.txt </a:t>
+            </a:r>
+            <a:r>
+              <a:rPr lang="ko-KR" altLang="en-US" dirty="0" smtClean="0"/>
+              <a:t>파일 내용</a:t>
+            </a:r>
+            <a:endParaRPr lang="ko-KR" altLang="en-US" dirty="0"/>
+          </a:p>
+        </p:txBody>
+      </p:sp>
       <p:pic>
         <p:nvPicPr>
-          <p:cNvPr id="6" name="그림 5"/>
+          <p:cNvPr id="5" name="그림 4"/>
           <p:cNvPicPr>
             <a:picLocks noChangeAspect="1"/>
           </p:cNvPicPr>
@@ -11447,8 +11444,8 @@
         </p:blipFill>
         <p:spPr>
           <a:xfrm>
-            <a:off x="365629" y="981597"/>
-            <a:ext cx="11377192" cy="3840458"/>
+            <a:off x="413757" y="518796"/>
+            <a:ext cx="5085173" cy="415117"/>
           </a:xfrm>
           <a:prstGeom prst="rect">
             <a:avLst/>
@@ -11458,7 +11455,7 @@
     </p:spTree>
     <p:extLst>
       <p:ext uri="{BB962C8B-B14F-4D97-AF65-F5344CB8AC3E}">
-        <p14:creationId xmlns:p14="http://schemas.microsoft.com/office/powerpoint/2010/main" val="842178362"/>
+        <p14:creationId xmlns:p14="http://schemas.microsoft.com/office/powerpoint/2010/main" val="2887405418"/>
       </p:ext>
     </p:extLst>
   </p:cSld>
@@ -11485,9 +11482,61 @@
           <a:chExt cx="0" cy="0"/>
         </a:xfrm>
       </p:grpSpPr>
+      <p:sp>
+        <p:nvSpPr>
+          <p:cNvPr id="3" name="TextBox 2"/>
+          <p:cNvSpPr txBox="1"/>
+          <p:nvPr/>
+        </p:nvSpPr>
+        <p:spPr>
+          <a:xfrm>
+            <a:off x="365629" y="5037220"/>
+            <a:ext cx="7126034" cy="923330"/>
+          </a:xfrm>
+          <a:prstGeom prst="rect">
+            <a:avLst/>
+          </a:prstGeom>
+          <a:noFill/>
+        </p:spPr>
+        <p:txBody>
+          <a:bodyPr wrap="square" rtlCol="0">
+            <a:spAutoFit/>
+          </a:bodyPr>
+          <a:lstStyle/>
+          <a:p>
+            <a:r>
+              <a:rPr lang="en-US" altLang="ko-KR" dirty="0" smtClean="0"/>
+              <a:t>T2.txt </a:t>
+            </a:r>
+            <a:r>
+              <a:rPr lang="ko-KR" altLang="en-US" dirty="0" smtClean="0"/>
+              <a:t>파일 내용</a:t>
+            </a:r>
+            <a:endParaRPr lang="en-US" altLang="ko-KR" dirty="0" smtClean="0"/>
+          </a:p>
+          <a:p>
+            <a:endParaRPr lang="en-US" altLang="ko-KR" dirty="0"/>
+          </a:p>
+          <a:p>
+            <a:r>
+              <a:rPr lang="ko-KR" altLang="en-US" dirty="0" smtClean="0"/>
+              <a:t>이 부분에서 </a:t>
+            </a:r>
+            <a:r>
+              <a:rPr lang="en-US" altLang="ko-KR" dirty="0" err="1" smtClean="0"/>
+              <a:t>serverstatusTEST</a:t>
+            </a:r>
+            <a:r>
+              <a:rPr lang="ko-KR" altLang="en-US" dirty="0" smtClean="0"/>
+              <a:t>로 계산을 위해 쪼갠 부분들을 합쳐준다</a:t>
+            </a:r>
+            <a:endParaRPr lang="ko-KR" altLang="en-US" dirty="0"/>
+          </a:p>
+        </p:txBody>
+      </p:sp>
       <p:pic>
         <p:nvPicPr>
-          <p:cNvPr id="2" name="그림 1"/>
+          <p:cNvPr id="4" name="그림 3"/>
           <p:cNvPicPr>
             <a:picLocks noChangeAspect="1"/>
           </p:cNvPicPr>
@@ -11501,8 +11550,8 @@
         </p:blipFill>
         <p:spPr>
           <a:xfrm>
-            <a:off x="361150" y="336884"/>
-            <a:ext cx="4114598" cy="6216072"/>
+            <a:off x="365629" y="503828"/>
+            <a:ext cx="5038296" cy="477769"/>
           </a:xfrm>
           <a:prstGeom prst="rect">
             <a:avLst/>
@@ -11511,7 +11560,7 @@
       </p:pic>
       <p:pic>
         <p:nvPicPr>
-          <p:cNvPr id="3" name="그림 2"/>
+          <p:cNvPr id="6" name="그림 5"/>
           <p:cNvPicPr>
             <a:picLocks noChangeAspect="1"/>
           </p:cNvPicPr>
@@ -11525,52 +11574,18 @@
         </p:blipFill>
         <p:spPr>
           <a:xfrm>
-            <a:off x="4475749" y="336884"/>
-            <a:ext cx="4446936" cy="6216072"/>
+            <a:off x="365629" y="981597"/>
+            <a:ext cx="11377192" cy="3840458"/>
           </a:xfrm>
           <a:prstGeom prst="rect">
             <a:avLst/>
           </a:prstGeom>
         </p:spPr>
       </p:pic>
-      <p:sp>
-        <p:nvSpPr>
-          <p:cNvPr id="4" name="TextBox 3"/>
-          <p:cNvSpPr txBox="1"/>
-          <p:nvPr/>
-        </p:nvSpPr>
-        <p:spPr>
-          <a:xfrm>
-            <a:off x="9076492" y="544854"/>
-            <a:ext cx="4302623" cy="369332"/>
-          </a:xfrm>
-          <a:prstGeom prst="rect">
-            <a:avLst/>
-          </a:prstGeom>
-          <a:noFill/>
-        </p:spPr>
-        <p:txBody>
-          <a:bodyPr wrap="square" rtlCol="0">
-            <a:spAutoFit/>
-          </a:bodyPr>
-          <a:lstStyle/>
-          <a:p>
-            <a:r>
-              <a:rPr lang="en-US" altLang="ko-KR" dirty="0" smtClean="0"/>
-              <a:t>T3.txt </a:t>
-            </a:r>
-            <a:r>
-              <a:rPr lang="ko-KR" altLang="en-US" dirty="0" smtClean="0"/>
-              <a:t>파일 내용</a:t>
-            </a:r>
-            <a:endParaRPr lang="en-US" altLang="ko-KR" dirty="0" smtClean="0"/>
-          </a:p>
-        </p:txBody>
-      </p:sp>
     </p:spTree>
     <p:extLst>
       <p:ext uri="{BB962C8B-B14F-4D97-AF65-F5344CB8AC3E}">
-        <p14:creationId xmlns:p14="http://schemas.microsoft.com/office/powerpoint/2010/main" val="611472930"/>
+        <p14:creationId xmlns:p14="http://schemas.microsoft.com/office/powerpoint/2010/main" val="842178362"/>
       </p:ext>
     </p:extLst>
   </p:cSld>
@@ -11613,8 +11628,8 @@
         </p:blipFill>
         <p:spPr>
           <a:xfrm>
-            <a:off x="5014278" y="385011"/>
-            <a:ext cx="5813150" cy="6128084"/>
+            <a:off x="361150" y="336884"/>
+            <a:ext cx="4114598" cy="6216072"/>
           </a:xfrm>
           <a:prstGeom prst="rect">
             <a:avLst/>
@@ -11637,18 +11652,52 @@
         </p:blipFill>
         <p:spPr>
           <a:xfrm>
-            <a:off x="367867" y="385011"/>
-            <a:ext cx="4646411" cy="6128084"/>
+            <a:off x="4475749" y="336884"/>
+            <a:ext cx="4446936" cy="6216072"/>
           </a:xfrm>
           <a:prstGeom prst="rect">
             <a:avLst/>
           </a:prstGeom>
         </p:spPr>
       </p:pic>
+      <p:sp>
+        <p:nvSpPr>
+          <p:cNvPr id="4" name="TextBox 3"/>
+          <p:cNvSpPr txBox="1"/>
+          <p:nvPr/>
+        </p:nvSpPr>
+        <p:spPr>
+          <a:xfrm>
+            <a:off x="9076492" y="544854"/>
+            <a:ext cx="4302623" cy="369332"/>
+          </a:xfrm>
+          <a:prstGeom prst="rect">
+            <a:avLst/>
+          </a:prstGeom>
+          <a:noFill/>
+        </p:spPr>
+        <p:txBody>
+          <a:bodyPr wrap="square" rtlCol="0">
+            <a:spAutoFit/>
+          </a:bodyPr>
+          <a:lstStyle/>
+          <a:p>
+            <a:r>
+              <a:rPr lang="en-US" altLang="ko-KR" dirty="0" smtClean="0"/>
+              <a:t>T3.txt </a:t>
+            </a:r>
+            <a:r>
+              <a:rPr lang="ko-KR" altLang="en-US" dirty="0" smtClean="0"/>
+              <a:t>파일 내용</a:t>
+            </a:r>
+            <a:endParaRPr lang="en-US" altLang="ko-KR" dirty="0" smtClean="0"/>
+          </a:p>
+        </p:txBody>
+      </p:sp>
     </p:spTree>
     <p:extLst>
       <p:ext uri="{BB962C8B-B14F-4D97-AF65-F5344CB8AC3E}">
-        <p14:creationId xmlns:p14="http://schemas.microsoft.com/office/powerpoint/2010/main" val="2617048902"/>
+        <p14:creationId xmlns:p14="http://schemas.microsoft.com/office/powerpoint/2010/main" val="611472930"/>
       </p:ext>
     </p:extLst>
   </p:cSld>
@@ -11691,90 +11740,42 @@
         </p:blipFill>
         <p:spPr>
           <a:xfrm>
-            <a:off x="430903" y="385678"/>
-            <a:ext cx="11215665" cy="4140668"/>
+            <a:off x="5014278" y="385011"/>
+            <a:ext cx="5813150" cy="6128084"/>
           </a:xfrm>
           <a:prstGeom prst="rect">
             <a:avLst/>
           </a:prstGeom>
         </p:spPr>
       </p:pic>
-      <p:sp>
-        <p:nvSpPr>
-          <p:cNvPr id="3" name="TextBox 2"/>
-          <p:cNvSpPr txBox="1"/>
-          <p:nvPr/>
-        </p:nvSpPr>
-        <p:spPr>
-          <a:xfrm>
-            <a:off x="430903" y="4940968"/>
-            <a:ext cx="11327960" cy="923330"/>
-          </a:xfrm>
-          <a:prstGeom prst="rect">
-            <a:avLst/>
-          </a:prstGeom>
-          <a:noFill/>
-        </p:spPr>
-        <p:txBody>
-          <a:bodyPr wrap="square" rtlCol="0">
-            <a:spAutoFit/>
-          </a:bodyPr>
-          <a:lstStyle/>
-          <a:p>
-            <a:pPr marL="285750" indent="-285750">
-              <a:buFont typeface="Arial" panose="020B0604020202020204" pitchFamily="34" charset="0"/>
-              <a:buChar char="•"/>
-            </a:pPr>
-            <a:r>
-              <a:rPr lang="en-US" altLang="ko-KR" dirty="0" smtClean="0"/>
-              <a:t>T2.txt </a:t>
-            </a:r>
-            <a:r>
-              <a:rPr lang="ko-KR" altLang="en-US" dirty="0" smtClean="0"/>
-              <a:t>파일 권한 설정</a:t>
-            </a:r>
-            <a:endParaRPr lang="en-US" altLang="ko-KR" dirty="0" smtClean="0"/>
-          </a:p>
-          <a:p>
-            <a:pPr marL="285750" indent="-285750">
-              <a:buFont typeface="Arial" panose="020B0604020202020204" pitchFamily="34" charset="0"/>
-              <a:buChar char="•"/>
-            </a:pPr>
-            <a:r>
-              <a:rPr lang="en-US" altLang="ko-KR" dirty="0"/>
-              <a:t> </a:t>
-            </a:r>
-            <a:r>
-              <a:rPr lang="en-US" altLang="ko-KR" dirty="0" smtClean="0"/>
-              <a:t>./T2.txt &amp; </a:t>
-            </a:r>
-            <a:r>
-              <a:rPr lang="ko-KR" altLang="en-US" dirty="0" smtClean="0"/>
-              <a:t>로 실행</a:t>
-            </a:r>
-            <a:endParaRPr lang="en-US" altLang="ko-KR" dirty="0" smtClean="0"/>
-          </a:p>
-          <a:p>
-            <a:pPr marL="285750" indent="-285750">
-              <a:buFont typeface="Arial" panose="020B0604020202020204" pitchFamily="34" charset="0"/>
-              <a:buChar char="•"/>
-            </a:pPr>
-            <a:r>
-              <a:rPr lang="en-US" altLang="ko-KR" dirty="0" smtClean="0"/>
-              <a:t>jobs</a:t>
-            </a:r>
-            <a:r>
-              <a:rPr lang="ko-KR" altLang="en-US" dirty="0" smtClean="0"/>
-              <a:t>로 실행되고 있는 파일들 확인</a:t>
-            </a:r>
-            <a:endParaRPr lang="ko-KR" altLang="en-US" dirty="0"/>
-          </a:p>
-        </p:txBody>
-      </p:sp>
+      <p:pic>
+        <p:nvPicPr>
+          <p:cNvPr id="3" name="그림 2"/>
+          <p:cNvPicPr>
+            <a:picLocks noChangeAspect="1"/>
+          </p:cNvPicPr>
+          <p:nvPr/>
+        </p:nvPicPr>
+        <p:blipFill>
+          <a:blip r:embed="rId3"/>
+          <a:stretch>
+            <a:fillRect/>
+          </a:stretch>
+        </p:blipFill>
+        <p:spPr>
+          <a:xfrm>
+            <a:off x="367867" y="385011"/>
+            <a:ext cx="4646411" cy="6128084"/>
+          </a:xfrm>
+          <a:prstGeom prst="rect">
+            <a:avLst/>
+          </a:prstGeom>
+        </p:spPr>
+      </p:pic>
     </p:spTree>
     <p:extLst>
       <p:ext uri="{BB962C8B-B14F-4D97-AF65-F5344CB8AC3E}">
-        <p14:creationId xmlns:p14="http://schemas.microsoft.com/office/powerpoint/2010/main" val="3202379159"/>
+        <p14:creationId xmlns:p14="http://schemas.microsoft.com/office/powerpoint/2010/main" val="2617048902"/>
       </p:ext>
     </p:extLst>
   </p:cSld>
@@ -11817,8 +11818,8 @@
         </p:blipFill>
         <p:spPr>
           <a:xfrm>
-            <a:off x="374776" y="351841"/>
-            <a:ext cx="9571329" cy="3803990"/>
+            <a:off x="430903" y="385678"/>
+            <a:ext cx="11215665" cy="4140668"/>
           </a:xfrm>
           <a:prstGeom prst="rect">
             <a:avLst/>
@@ -11833,7 +11834,7 @@
         </p:nvSpPr>
         <p:spPr>
           <a:xfrm>
-            <a:off x="374776" y="4539916"/>
+            <a:off x="430903" y="4940968"/>
             <a:ext cx="11327960" cy="923330"/>
           </a:xfrm>
           <a:prstGeom prst="rect">
@@ -11846,27 +11847,6 @@
             <a:spAutoFit/>
           </a:bodyPr>
           <a:lstStyle/>
-          <a:p>
-            <a:r>
-              <a:rPr lang="en-US" altLang="ko-KR" dirty="0" smtClean="0"/>
-              <a:t>&lt; </a:t>
-            </a:r>
-            <a:r>
-              <a:rPr lang="ko-KR" altLang="en-US" dirty="0" err="1" smtClean="0"/>
-              <a:t>번외</a:t>
-            </a:r>
-            <a:r>
-              <a:rPr lang="ko-KR" altLang="en-US" dirty="0" smtClean="0"/>
-              <a:t> </a:t>
-            </a:r>
-            <a:r>
-              <a:rPr lang="en-US" altLang="ko-KR" dirty="0" smtClean="0"/>
-              <a:t>&gt;</a:t>
-            </a:r>
-          </a:p>
-          <a:p>
-            <a:endParaRPr lang="en-US" altLang="ko-KR" dirty="0" smtClean="0"/>
-          </a:p>
           <a:p>
             <a:pPr marL="285750" indent="-285750">
               <a:buFont typeface="Arial" panose="020B0604020202020204" pitchFamily="34" charset="0"/>
@@ -11874,36 +11854,54 @@
             </a:pPr>
             <a:r>
               <a:rPr lang="en-US" altLang="ko-KR" dirty="0" smtClean="0"/>
-              <a:t>Kill %3</a:t>
-            </a:r>
-            <a:r>
-              <a:rPr lang="ko-KR" altLang="en-US" dirty="0"/>
-              <a:t>을</a:t>
+              <a:t>T2.txt </a:t>
             </a:r>
             <a:r>
               <a:rPr lang="ko-KR" altLang="en-US" dirty="0" smtClean="0"/>
-              <a:t> 쓰면 실행되는 파일들 중 </a:t>
+              <a:t>파일 권한 설정</a:t>
+            </a:r>
+            <a:endParaRPr lang="en-US" altLang="ko-KR" dirty="0" smtClean="0"/>
+          </a:p>
+          <a:p>
+            <a:pPr marL="285750" indent="-285750">
+              <a:buFont typeface="Arial" panose="020B0604020202020204" pitchFamily="34" charset="0"/>
+              <a:buChar char="•"/>
+            </a:pPr>
+            <a:r>
+              <a:rPr lang="en-US" altLang="ko-KR" dirty="0"/>
+              <a:t> </a:t>
             </a:r>
             <a:r>
               <a:rPr lang="en-US" altLang="ko-KR" dirty="0" smtClean="0"/>
-              <a:t>[3]</a:t>
+              <a:t>./T2.txt &amp; </a:t>
             </a:r>
             <a:r>
               <a:rPr lang="ko-KR" altLang="en-US" dirty="0" smtClean="0"/>
-              <a:t>번째 파일의 실행을 죽인다</a:t>
-            </a:r>
+              <a:t>로 실행</a:t>
+            </a:r>
+            <a:endParaRPr lang="en-US" altLang="ko-KR" dirty="0" smtClean="0"/>
+          </a:p>
+          <a:p>
+            <a:pPr marL="285750" indent="-285750">
+              <a:buFont typeface="Arial" panose="020B0604020202020204" pitchFamily="34" charset="0"/>
+              <a:buChar char="•"/>
+            </a:pPr>
             <a:r>
               <a:rPr lang="en-US" altLang="ko-KR" dirty="0" smtClean="0"/>
-              <a:t>.</a:t>
-            </a:r>
-            <a:endParaRPr lang="en-US" altLang="ko-KR" dirty="0"/>
+              <a:t>jobs</a:t>
+            </a:r>
+            <a:r>
+              <a:rPr lang="ko-KR" altLang="en-US" dirty="0" smtClean="0"/>
+              <a:t>로 실행되고 있는 파일들 확인</a:t>
+            </a:r>
+            <a:endParaRPr lang="ko-KR" altLang="en-US" dirty="0"/>
           </a:p>
         </p:txBody>
       </p:sp>
     </p:spTree>
     <p:extLst>
       <p:ext uri="{BB962C8B-B14F-4D97-AF65-F5344CB8AC3E}">
-        <p14:creationId xmlns:p14="http://schemas.microsoft.com/office/powerpoint/2010/main" val="3156526615"/>
+        <p14:creationId xmlns:p14="http://schemas.microsoft.com/office/powerpoint/2010/main" val="3202379159"/>
       </p:ext>
     </p:extLst>
   </p:cSld>
@@ -11946,8 +11944,8 @@
         </p:blipFill>
         <p:spPr>
           <a:xfrm>
-            <a:off x="368968" y="317596"/>
-            <a:ext cx="10820801" cy="5152762"/>
+            <a:off x="374776" y="351841"/>
+            <a:ext cx="9571329" cy="3803990"/>
           </a:xfrm>
           <a:prstGeom prst="rect">
             <a:avLst/>
@@ -11962,8 +11960,8 @@
         </p:nvSpPr>
         <p:spPr>
           <a:xfrm>
-            <a:off x="368968" y="5775158"/>
-            <a:ext cx="8021053" cy="646331"/>
+            <a:off x="374776" y="4539916"/>
+            <a:ext cx="11327960" cy="923330"/>
           </a:xfrm>
           <a:prstGeom prst="rect">
             <a:avLst/>
@@ -11975,38 +11973,64 @@
             <a:spAutoFit/>
           </a:bodyPr>
           <a:lstStyle/>
+          <a:p>
+            <a:r>
+              <a:rPr lang="en-US" altLang="ko-KR" dirty="0" smtClean="0"/>
+              <a:t>&lt; </a:t>
+            </a:r>
+            <a:r>
+              <a:rPr lang="ko-KR" altLang="en-US" dirty="0" err="1" smtClean="0"/>
+              <a:t>번외</a:t>
+            </a:r>
+            <a:r>
+              <a:rPr lang="ko-KR" altLang="en-US" dirty="0" smtClean="0"/>
+              <a:t> </a:t>
+            </a:r>
+            <a:r>
+              <a:rPr lang="en-US" altLang="ko-KR" dirty="0" smtClean="0"/>
+              <a:t>&gt;</a:t>
+            </a:r>
+          </a:p>
+          <a:p>
+            <a:endParaRPr lang="en-US" altLang="ko-KR" dirty="0" smtClean="0"/>
+          </a:p>
           <a:p>
             <a:pPr marL="285750" indent="-285750">
               <a:buFont typeface="Arial" panose="020B0604020202020204" pitchFamily="34" charset="0"/>
               <a:buChar char="•"/>
             </a:pPr>
             <a:r>
+              <a:rPr lang="en-US" altLang="ko-KR" dirty="0" smtClean="0"/>
+              <a:t>Kill %3</a:t>
+            </a:r>
+            <a:r>
+              <a:rPr lang="ko-KR" altLang="en-US" dirty="0"/>
+              <a:t>을</a:t>
+            </a:r>
+            <a:r>
               <a:rPr lang="ko-KR" altLang="en-US" dirty="0" smtClean="0"/>
-              <a:t>최종 결과 화면 확인</a:t>
-            </a:r>
-            <a:endParaRPr lang="en-US" altLang="ko-KR" dirty="0" smtClean="0"/>
-          </a:p>
-          <a:p>
-            <a:pPr marL="285750" indent="-285750">
-              <a:buFont typeface="Arial" panose="020B0604020202020204" pitchFamily="34" charset="0"/>
-              <a:buChar char="•"/>
-            </a:pPr>
+              <a:t> 쓰면 실행되는 파일들 중 </a:t>
+            </a:r>
+            <a:r>
+              <a:rPr lang="en-US" altLang="ko-KR" dirty="0" smtClean="0"/>
+              <a:t>[3]</a:t>
+            </a:r>
             <a:r>
               <a:rPr lang="ko-KR" altLang="en-US" dirty="0" smtClean="0"/>
-              <a:t>이 화면은 실시간으로 정보가 바뀌어서 적용된다</a:t>
+              <a:t>번째 파일의 실행을 죽인다</a:t>
             </a:r>
             <a:r>
               <a:rPr lang="en-US" altLang="ko-KR" dirty="0" smtClean="0"/>
               <a:t>.</a:t>
             </a:r>
-            <a:endParaRPr lang="ko-KR" altLang="en-US" dirty="0"/>
+            <a:endParaRPr lang="en-US" altLang="ko-KR" dirty="0"/>
           </a:p>
         </p:txBody>
       </p:sp>
     </p:spTree>
     <p:extLst>
       <p:ext uri="{BB962C8B-B14F-4D97-AF65-F5344CB8AC3E}">
-        <p14:creationId xmlns:p14="http://schemas.microsoft.com/office/powerpoint/2010/main" val="1741724617"/>
+        <p14:creationId xmlns:p14="http://schemas.microsoft.com/office/powerpoint/2010/main" val="3156526615"/>
       </p:ext>
     </p:extLst>
   </p:cSld>
@@ -12033,10 +12057,83 @@
           <a:chExt cx="0" cy="0"/>
         </a:xfrm>
       </p:grpSpPr>
+      <p:pic>
+        <p:nvPicPr>
+          <p:cNvPr id="2" name="그림 1"/>
+          <p:cNvPicPr>
+            <a:picLocks noChangeAspect="1"/>
+          </p:cNvPicPr>
+          <p:nvPr/>
+        </p:nvPicPr>
+        <p:blipFill>
+          <a:blip r:embed="rId2"/>
+          <a:stretch>
+            <a:fillRect/>
+          </a:stretch>
+        </p:blipFill>
+        <p:spPr>
+          <a:xfrm>
+            <a:off x="368968" y="317596"/>
+            <a:ext cx="10820801" cy="5152762"/>
+          </a:xfrm>
+          <a:prstGeom prst="rect">
+            <a:avLst/>
+          </a:prstGeom>
+        </p:spPr>
+      </p:pic>
+      <p:sp>
+        <p:nvSpPr>
+          <p:cNvPr id="3" name="TextBox 2"/>
+          <p:cNvSpPr txBox="1"/>
+          <p:nvPr/>
+        </p:nvSpPr>
+        <p:spPr>
+          <a:xfrm>
+            <a:off x="368968" y="5775158"/>
+            <a:ext cx="8021053" cy="646331"/>
+          </a:xfrm>
+          <a:prstGeom prst="rect">
+            <a:avLst/>
+          </a:prstGeom>
+          <a:noFill/>
+        </p:spPr>
+        <p:txBody>
+          <a:bodyPr wrap="square" rtlCol="0">
+            <a:spAutoFit/>
+          </a:bodyPr>
+          <a:lstStyle/>
+          <a:p>
+            <a:pPr marL="285750" indent="-285750">
+              <a:buFont typeface="Arial" panose="020B0604020202020204" pitchFamily="34" charset="0"/>
+              <a:buChar char="•"/>
+            </a:pPr>
+            <a:r>
+              <a:rPr lang="ko-KR" altLang="en-US" dirty="0" smtClean="0"/>
+              <a:t>최종 결과 화면 확인</a:t>
+            </a:r>
+            <a:endParaRPr lang="en-US" altLang="ko-KR" dirty="0" smtClean="0"/>
+          </a:p>
+          <a:p>
+            <a:pPr marL="285750" indent="-285750">
+              <a:buFont typeface="Arial" panose="020B0604020202020204" pitchFamily="34" charset="0"/>
+              <a:buChar char="•"/>
+            </a:pPr>
+            <a:r>
+              <a:rPr lang="ko-KR" altLang="en-US" dirty="0" smtClean="0"/>
+              <a:t>이 화면은 실시간으로 정보가 바뀌어서 적용된다</a:t>
+            </a:r>
+            <a:r>
+              <a:rPr lang="en-US" altLang="ko-KR" dirty="0" smtClean="0"/>
+              <a:t>.</a:t>
+            </a:r>
+            <a:endParaRPr lang="ko-KR" altLang="en-US" dirty="0"/>
+          </a:p>
+        </p:txBody>
+      </p:sp>
     </p:spTree>
     <p:extLst>
       <p:ext uri="{BB962C8B-B14F-4D97-AF65-F5344CB8AC3E}">
-        <p14:creationId xmlns:p14="http://schemas.microsoft.com/office/powerpoint/2010/main" val="1593808358"/>
+        <p14:creationId xmlns:p14="http://schemas.microsoft.com/office/powerpoint/2010/main" val="1741724617"/>
       </p:ext>
     </p:extLst>
   </p:cSld>
@@ -12063,34 +12160,10 @@
           <a:chExt cx="0" cy="0"/>
         </a:xfrm>
       </p:grpSpPr>
-      <p:pic>
-        <p:nvPicPr>
-          <p:cNvPr id="2" name="그림 1"/>
-          <p:cNvPicPr>
-            <a:picLocks noChangeAspect="1"/>
-          </p:cNvPicPr>
-          <p:nvPr/>
-        </p:nvPicPr>
-        <p:blipFill>
-          <a:blip r:embed="rId2"/>
-          <a:stretch>
-            <a:fillRect/>
-          </a:stretch>
-        </p:blipFill>
-        <p:spPr>
-          <a:xfrm>
-            <a:off x="307799" y="1047496"/>
-            <a:ext cx="11557099" cy="4268839"/>
-          </a:xfrm>
-          <a:prstGeom prst="rect">
-            <a:avLst/>
-          </a:prstGeom>
-        </p:spPr>
-      </p:pic>
     </p:spTree>
     <p:extLst>
       <p:ext uri="{BB962C8B-B14F-4D97-AF65-F5344CB8AC3E}">
-        <p14:creationId xmlns:p14="http://schemas.microsoft.com/office/powerpoint/2010/main" val="1799970826"/>
+        <p14:creationId xmlns:p14="http://schemas.microsoft.com/office/powerpoint/2010/main" val="1593808358"/>
       </p:ext>
     </p:extLst>
   </p:cSld>
@@ -12133,8 +12206,8 @@
         </p:blipFill>
         <p:spPr>
           <a:xfrm>
-            <a:off x="1146881" y="540468"/>
-            <a:ext cx="9982037" cy="6001958"/>
+            <a:off x="307799" y="1047496"/>
+            <a:ext cx="11557099" cy="4268839"/>
           </a:xfrm>
           <a:prstGeom prst="rect">
             <a:avLst/>
@@ -12144,7 +12217,7 @@
     </p:spTree>
     <p:extLst>
       <p:ext uri="{BB962C8B-B14F-4D97-AF65-F5344CB8AC3E}">
-        <p14:creationId xmlns:p14="http://schemas.microsoft.com/office/powerpoint/2010/main" val="4273417878"/>
+        <p14:creationId xmlns:p14="http://schemas.microsoft.com/office/powerpoint/2010/main" val="1799970826"/>
       </p:ext>
     </p:extLst>
   </p:cSld>
@@ -12204,7 +12277,7 @@
         <p:spPr>
           <a:xfrm>
             <a:off x="557561" y="4393580"/>
-            <a:ext cx="2497873" cy="923330"/>
+            <a:ext cx="8309992" cy="1446550"/>
           </a:xfrm>
           <a:prstGeom prst="rect">
             <a:avLst/>
@@ -12218,60 +12291,159 @@
           <a:lstStyle/>
           <a:p>
             <a:r>
-              <a:rPr lang="ko-KR" altLang="en-US" spc="34" dirty="0" smtClean="0">
+              <a:rPr lang="ko-KR" altLang="en-US" sz="2400" spc="34" dirty="0" smtClean="0">
                 <a:solidFill>
                   <a:prstClr val="black"/>
                 </a:solidFill>
-                <a:latin typeface="Tahoma"/>
+                <a:latin typeface="D2Coding" panose="020B0609020101020101" pitchFamily="49" charset="-127"/>
+                <a:ea typeface="D2Coding" panose="020B0609020101020101" pitchFamily="49" charset="-127"/>
                 <a:cs typeface="Tahoma"/>
               </a:rPr>
-              <a:t>∙</a:t>
-            </a:r>
-            <a:r>
-              <a:rPr lang="en-US" altLang="ko-KR" dirty="0" err="1"/>
+              <a:t>∙ </a:t>
+            </a:r>
+            <a:r>
+              <a:rPr lang="en-US" altLang="ko-KR" sz="2400" dirty="0" err="1" smtClean="0">
+                <a:latin typeface="D2Coding" panose="020B0609020101020101" pitchFamily="49" charset="-127"/>
+                <a:ea typeface="D2Coding" panose="020B0609020101020101" pitchFamily="49" charset="-127"/>
+              </a:rPr>
               <a:t>sysstat</a:t>
             </a:r>
             <a:r>
-              <a:rPr lang="en-US" altLang="ko-KR" dirty="0"/>
+              <a:rPr lang="en-US" altLang="ko-KR" sz="2400" dirty="0" smtClean="0">
+                <a:latin typeface="D2Coding" panose="020B0609020101020101" pitchFamily="49" charset="-127"/>
+                <a:ea typeface="D2Coding" panose="020B0609020101020101" pitchFamily="49" charset="-127"/>
+              </a:rPr>
               <a:t> </a:t>
             </a:r>
             <a:r>
-              <a:rPr lang="ko-KR" altLang="en-US" dirty="0"/>
+              <a:rPr lang="ko-KR" altLang="en-US" sz="2400" dirty="0" smtClean="0">
+                <a:latin typeface="D2Coding" panose="020B0609020101020101" pitchFamily="49" charset="-127"/>
+                <a:ea typeface="D2Coding" panose="020B0609020101020101" pitchFamily="49" charset="-127"/>
+              </a:rPr>
               <a:t>설치</a:t>
             </a:r>
-          </a:p>
-          <a:p>
-            <a:r>
-              <a:rPr lang="en-US" altLang="ko-KR" spc="34" dirty="0" err="1" smtClean="0">
+            <a:endParaRPr lang="en-US" altLang="ko-KR" sz="2400" dirty="0" smtClean="0">
+              <a:latin typeface="D2Coding" panose="020B0609020101020101" pitchFamily="49" charset="-127"/>
+              <a:ea typeface="D2Coding" panose="020B0609020101020101" pitchFamily="49" charset="-127"/>
+            </a:endParaRPr>
+          </a:p>
+          <a:p>
+            <a:endParaRPr lang="en-US" altLang="ko-KR" sz="2400" dirty="0" smtClean="0">
+              <a:latin typeface="D2Coding" panose="020B0609020101020101" pitchFamily="49" charset="-127"/>
+              <a:ea typeface="D2Coding" panose="020B0609020101020101" pitchFamily="49" charset="-127"/>
+            </a:endParaRPr>
+          </a:p>
+          <a:p>
+            <a:r>
+              <a:rPr lang="ko-KR" altLang="en-US" sz="2000" dirty="0" smtClean="0">
+                <a:latin typeface="D2Coding" panose="020B0609020101020101" pitchFamily="49" charset="-127"/>
+                <a:ea typeface="D2Coding" panose="020B0609020101020101" pitchFamily="49" charset="-127"/>
+              </a:rPr>
+              <a:t>명령어 입력 </a:t>
+            </a:r>
+            <a:r>
+              <a:rPr lang="en-US" altLang="ko-KR" sz="2000" dirty="0" smtClean="0">
+                <a:latin typeface="D2Coding" panose="020B0609020101020101" pitchFamily="49" charset="-127"/>
+                <a:ea typeface="D2Coding" panose="020B0609020101020101" pitchFamily="49" charset="-127"/>
+              </a:rPr>
+              <a:t>: </a:t>
+            </a:r>
+          </a:p>
+          <a:p>
+            <a:r>
+              <a:rPr lang="en-US" altLang="ko-KR" sz="2000" spc="34" dirty="0" err="1" smtClean="0">
                 <a:solidFill>
                   <a:prstClr val="black"/>
                 </a:solidFill>
-                <a:latin typeface="Consolas" panose="020B0609020204030204" pitchFamily="49" charset="0"/>
+                <a:latin typeface="D2Coding" panose="020B0609020101020101" pitchFamily="49" charset="-127"/>
+                <a:ea typeface="D2Coding" panose="020B0609020101020101" pitchFamily="49" charset="-127"/>
                 <a:cs typeface="Tahoma"/>
               </a:rPr>
               <a:t>sudo</a:t>
             </a:r>
             <a:r>
-              <a:rPr lang="en-US" altLang="ko-KR" spc="34" dirty="0" smtClean="0">
+              <a:rPr lang="en-US" altLang="ko-KR" sz="2000" spc="34" dirty="0" smtClean="0">
                 <a:solidFill>
                   <a:prstClr val="black"/>
                 </a:solidFill>
-                <a:latin typeface="Consolas" panose="020B0609020204030204" pitchFamily="49" charset="0"/>
+                <a:latin typeface="D2Coding" panose="020B0609020101020101" pitchFamily="49" charset="-127"/>
+                <a:ea typeface="D2Coding" panose="020B0609020101020101" pitchFamily="49" charset="-127"/>
                 <a:cs typeface="Tahoma"/>
               </a:rPr>
-              <a:t> apt install </a:t>
-            </a:r>
-            <a:r>
-              <a:rPr lang="en-US" altLang="ko-KR" spc="34" dirty="0" err="1" smtClean="0">
+              <a:t> </a:t>
+            </a:r>
+            <a:r>
+              <a:rPr lang="en-US" altLang="ko-KR" sz="2000" spc="34" dirty="0" smtClean="0">
                 <a:solidFill>
                   <a:prstClr val="black"/>
                 </a:solidFill>
-                <a:latin typeface="Consolas" panose="020B0609020204030204" pitchFamily="49" charset="0"/>
+                <a:latin typeface="D2Coding" panose="020B0609020101020101" pitchFamily="49" charset="-127"/>
+                <a:ea typeface="D2Coding" panose="020B0609020101020101" pitchFamily="49" charset="-127"/>
+                <a:cs typeface="Tahoma"/>
+              </a:rPr>
+              <a:t>apt install </a:t>
+            </a:r>
+            <a:r>
+              <a:rPr lang="en-US" altLang="ko-KR" sz="2000" spc="34" dirty="0" err="1" smtClean="0">
+                <a:solidFill>
+                  <a:prstClr val="black"/>
+                </a:solidFill>
+                <a:latin typeface="D2Coding" panose="020B0609020101020101" pitchFamily="49" charset="-127"/>
+                <a:ea typeface="D2Coding" panose="020B0609020101020101" pitchFamily="49" charset="-127"/>
                 <a:cs typeface="Tahoma"/>
               </a:rPr>
               <a:t>sysstat</a:t>
             </a:r>
-            <a:endParaRPr lang="ko-KR" altLang="en-US" dirty="0"/>
+            <a:endParaRPr lang="ko-KR" altLang="en-US" sz="2000" dirty="0">
+              <a:latin typeface="D2Coding" panose="020B0609020101020101" pitchFamily="49" charset="-127"/>
+              <a:ea typeface="D2Coding" panose="020B0609020101020101" pitchFamily="49" charset="-127"/>
+            </a:endParaRPr>
+          </a:p>
+        </p:txBody>
+      </p:sp>
+      <p:sp>
+        <p:nvSpPr>
+          <p:cNvPr id="4" name="모서리가 둥근 직사각형 3"/>
+          <p:cNvSpPr/>
+          <p:nvPr/>
+        </p:nvSpPr>
+        <p:spPr>
+          <a:xfrm>
+            <a:off x="3838353" y="408914"/>
+            <a:ext cx="4540103" cy="388528"/>
+          </a:xfrm>
+          <a:prstGeom prst="roundRect">
+            <a:avLst/>
+          </a:prstGeom>
+          <a:noFill/>
+          <a:ln w="28575">
+            <a:solidFill>
+              <a:schemeClr val="accent2"/>
+            </a:solidFill>
+          </a:ln>
+        </p:spPr>
+        <p:style>
+          <a:lnRef idx="2">
+            <a:schemeClr val="accent1">
+              <a:shade val="50000"/>
+            </a:schemeClr>
+          </a:lnRef>
+          <a:fillRef idx="1">
+            <a:schemeClr val="accent1"/>
+          </a:fillRef>
+          <a:effectRef idx="0">
+            <a:schemeClr val="accent1"/>
+          </a:effectRef>
+          <a:fontRef idx="minor">
+            <a:schemeClr val="lt1"/>
+          </a:fontRef>
+        </p:style>
+        <p:txBody>
+          <a:bodyPr rtlCol="0" anchor="ctr"/>
+          <a:lstStyle/>
+          <a:p>
+            <a:pPr algn="ctr"/>
+            <a:endParaRPr lang="ko-KR" altLang="en-US"/>
           </a:p>
         </p:txBody>
       </p:sp>
@@ -12279,6 +12451,60 @@
     <p:extLst>
       <p:ext uri="{BB962C8B-B14F-4D97-AF65-F5344CB8AC3E}">
         <p14:creationId xmlns:p14="http://schemas.microsoft.com/office/powerpoint/2010/main" val="2437078872"/>
+      </p:ext>
+    </p:extLst>
+  </p:cSld>
+  <p:clrMapOvr>
+    <a:masterClrMapping/>
+  </p:clrMapOvr>
+</p:sld>
+</file>
+
+<file path=ppt/slides/slide60.xml><?xml version="1.0" encoding="utf-8"?>
+<p:sld xmlns:a="http://schemas.openxmlformats.org/drawingml/2006/main" xmlns:r="http://schemas.openxmlformats.org/officeDocument/2006/relationships" xmlns:p="http://schemas.openxmlformats.org/presentationml/2006/main">
+  <p:cSld>
+    <p:spTree>
+      <p:nvGrpSpPr>
+        <p:cNvPr id="1" name=""/>
+        <p:cNvGrpSpPr/>
+        <p:nvPr/>
+      </p:nvGrpSpPr>
+      <p:grpSpPr>
+        <a:xfrm>
+          <a:off x="0" y="0"/>
+          <a:ext cx="0" cy="0"/>
+          <a:chOff x="0" y="0"/>
+          <a:chExt cx="0" cy="0"/>
+        </a:xfrm>
+      </p:grpSpPr>
+      <p:pic>
+        <p:nvPicPr>
+          <p:cNvPr id="2" name="그림 1"/>
+          <p:cNvPicPr>
+            <a:picLocks noChangeAspect="1"/>
+          </p:cNvPicPr>
+          <p:nvPr/>
+        </p:nvPicPr>
+        <p:blipFill>
+          <a:blip r:embed="rId2"/>
+          <a:stretch>
+            <a:fillRect/>
+          </a:stretch>
+        </p:blipFill>
+        <p:spPr>
+          <a:xfrm>
+            <a:off x="1146881" y="540468"/>
+            <a:ext cx="9982037" cy="6001958"/>
+          </a:xfrm>
+          <a:prstGeom prst="rect">
+            <a:avLst/>
+          </a:prstGeom>
+        </p:spPr>
+      </p:pic>
+    </p:spTree>
+    <p:extLst>
+      <p:ext uri="{BB962C8B-B14F-4D97-AF65-F5344CB8AC3E}">
+        <p14:creationId xmlns:p14="http://schemas.microsoft.com/office/powerpoint/2010/main" val="4273417878"/>
       </p:ext>
     </p:extLst>
   </p:cSld>
@@ -12338,7 +12564,7 @@
         <p:spPr>
           <a:xfrm>
             <a:off x="557561" y="4393580"/>
-            <a:ext cx="2497873" cy="1415772"/>
+            <a:ext cx="6640681" cy="707886"/>
           </a:xfrm>
           <a:prstGeom prst="rect">
             <a:avLst/>
@@ -12352,172 +12578,230 @@
           <a:lstStyle/>
           <a:p>
             <a:r>
-              <a:rPr lang="ko-KR" altLang="en-US" spc="34" dirty="0">
+              <a:rPr lang="ko-KR" altLang="en-US" sz="2000" spc="34" dirty="0">
                 <a:solidFill>
                   <a:prstClr val="black"/>
                 </a:solidFill>
-                <a:latin typeface="Tahoma"/>
+                <a:latin typeface="D2Coding" panose="020B0609020101020101" pitchFamily="49" charset="-127"/>
+                <a:ea typeface="D2Coding" panose="020B0609020101020101" pitchFamily="49" charset="-127"/>
                 <a:cs typeface="Tahoma"/>
               </a:rPr>
               <a:t>∙</a:t>
             </a:r>
             <a:r>
-              <a:rPr lang="en-US" altLang="ko-KR" spc="34" dirty="0" err="1">
+              <a:rPr lang="en-US" altLang="ko-KR" sz="2000" spc="34" dirty="0" err="1">
                 <a:solidFill>
                   <a:prstClr val="black"/>
                 </a:solidFill>
-                <a:latin typeface="Consolas" panose="020B0609020204030204" pitchFamily="49" charset="0"/>
+                <a:latin typeface="D2Coding" panose="020B0609020101020101" pitchFamily="49" charset="-127"/>
+                <a:ea typeface="D2Coding" panose="020B0609020101020101" pitchFamily="49" charset="-127"/>
                 <a:cs typeface="Book Antiqua"/>
               </a:rPr>
               <a:t>sar</a:t>
             </a:r>
             <a:r>
-              <a:rPr lang="en-US" altLang="ko-KR" spc="34" dirty="0">
+              <a:rPr lang="en-US" altLang="ko-KR" sz="2000" spc="34" dirty="0">
                 <a:solidFill>
                   <a:prstClr val="black"/>
                 </a:solidFill>
-                <a:latin typeface="Consolas" panose="020B0609020204030204" pitchFamily="49" charset="0"/>
+                <a:latin typeface="D2Coding" panose="020B0609020101020101" pitchFamily="49" charset="-127"/>
+                <a:ea typeface="D2Coding" panose="020B0609020101020101" pitchFamily="49" charset="-127"/>
                 <a:cs typeface="Book Antiqua"/>
               </a:rPr>
               <a:t> </a:t>
             </a:r>
             <a:r>
-              <a:rPr lang="en-US" altLang="ko-KR" spc="-128" dirty="0">
+              <a:rPr lang="en-US" altLang="ko-KR" sz="2000" spc="-128" dirty="0">
                 <a:solidFill>
                   <a:prstClr val="black"/>
                 </a:solidFill>
-                <a:latin typeface="Consolas" panose="020B0609020204030204" pitchFamily="49" charset="0"/>
+                <a:latin typeface="D2Coding" panose="020B0609020101020101" pitchFamily="49" charset="-127"/>
+                <a:ea typeface="D2Coding" panose="020B0609020101020101" pitchFamily="49" charset="-127"/>
                 <a:cs typeface="Book Antiqua"/>
               </a:rPr>
               <a:t>1 5 </a:t>
             </a:r>
             <a:r>
-              <a:rPr lang="en-US" altLang="ko-KR" spc="-69" dirty="0">
+              <a:rPr lang="en-US" altLang="ko-KR" sz="2000" spc="-69" dirty="0">
                 <a:solidFill>
                   <a:prstClr val="black"/>
                 </a:solidFill>
-                <a:latin typeface="Consolas" panose="020B0609020204030204" pitchFamily="49" charset="0"/>
+                <a:latin typeface="D2Coding" panose="020B0609020101020101" pitchFamily="49" charset="-127"/>
+                <a:ea typeface="D2Coding" panose="020B0609020101020101" pitchFamily="49" charset="-127"/>
                 <a:cs typeface="Book Antiqua"/>
               </a:rPr>
               <a:t>: </a:t>
             </a:r>
             <a:r>
-              <a:rPr lang="en-US" altLang="ko-KR" spc="-167" dirty="0" err="1">
+              <a:rPr lang="en-US" altLang="ko-KR" sz="2000" spc="-167" dirty="0" err="1">
                 <a:solidFill>
                   <a:prstClr val="black"/>
                 </a:solidFill>
-                <a:latin typeface="Consolas" panose="020B0609020204030204" pitchFamily="49" charset="0"/>
+                <a:latin typeface="D2Coding" panose="020B0609020101020101" pitchFamily="49" charset="-127"/>
+                <a:ea typeface="D2Coding" panose="020B0609020101020101" pitchFamily="49" charset="-127"/>
                 <a:cs typeface="Book Antiqua"/>
               </a:rPr>
               <a:t>cpu</a:t>
             </a:r>
             <a:r>
-              <a:rPr lang="en-US" altLang="ko-KR" spc="-167" dirty="0">
+              <a:rPr lang="en-US" altLang="ko-KR" sz="2000" spc="-167" dirty="0">
                 <a:solidFill>
                   <a:prstClr val="black"/>
                 </a:solidFill>
-                <a:latin typeface="Consolas" panose="020B0609020204030204" pitchFamily="49" charset="0"/>
+                <a:latin typeface="D2Coding" panose="020B0609020101020101" pitchFamily="49" charset="-127"/>
+                <a:ea typeface="D2Coding" panose="020B0609020101020101" pitchFamily="49" charset="-127"/>
                 <a:cs typeface="Book Antiqua"/>
               </a:rPr>
               <a:t> </a:t>
             </a:r>
             <a:r>
-              <a:rPr lang="ko-KR" altLang="en-US" sz="1400" spc="-108" dirty="0">
+              <a:rPr lang="ko-KR" altLang="en-US" sz="2000" spc="-108" dirty="0">
                 <a:solidFill>
                   <a:prstClr val="black"/>
                 </a:solidFill>
-                <a:latin typeface="함초롬바탕" panose="02030604000101010101" pitchFamily="18" charset="-127"/>
+                <a:latin typeface="D2Coding" panose="020B0609020101020101" pitchFamily="49" charset="-127"/>
+                <a:ea typeface="D2Coding" panose="020B0609020101020101" pitchFamily="49" charset="-127"/>
                 <a:cs typeface="함초롬바탕" panose="02030604000101010101" pitchFamily="18" charset="-127"/>
               </a:rPr>
               <a:t>사용량을 </a:t>
             </a:r>
             <a:r>
-              <a:rPr lang="en-US" altLang="ko-KR" spc="-103" dirty="0">
+              <a:rPr lang="en-US" altLang="ko-KR" sz="2000" spc="-103" dirty="0">
                 <a:solidFill>
                   <a:prstClr val="black"/>
                 </a:solidFill>
-                <a:latin typeface="Consolas" panose="020B0609020204030204" pitchFamily="49" charset="0"/>
+                <a:latin typeface="D2Coding" panose="020B0609020101020101" pitchFamily="49" charset="-127"/>
+                <a:ea typeface="D2Coding" panose="020B0609020101020101" pitchFamily="49" charset="-127"/>
                 <a:cs typeface="Book Antiqua"/>
               </a:rPr>
               <a:t>1</a:t>
             </a:r>
             <a:r>
-              <a:rPr lang="ko-KR" altLang="en-US" sz="1400" spc="-103" dirty="0">
+              <a:rPr lang="ko-KR" altLang="en-US" sz="2000" spc="-103" dirty="0">
                 <a:solidFill>
                   <a:prstClr val="black"/>
                 </a:solidFill>
-                <a:latin typeface="함초롬바탕" panose="02030604000101010101" pitchFamily="18" charset="-127"/>
+                <a:latin typeface="D2Coding" panose="020B0609020101020101" pitchFamily="49" charset="-127"/>
+                <a:ea typeface="D2Coding" panose="020B0609020101020101" pitchFamily="49" charset="-127"/>
                 <a:cs typeface="함초롬바탕" panose="02030604000101010101" pitchFamily="18" charset="-127"/>
               </a:rPr>
               <a:t>초 </a:t>
             </a:r>
             <a:r>
-              <a:rPr lang="ko-KR" altLang="en-US" sz="1400" spc="-108" dirty="0">
+              <a:rPr lang="ko-KR" altLang="en-US" sz="2000" spc="-108" dirty="0">
                 <a:solidFill>
                   <a:prstClr val="black"/>
                 </a:solidFill>
-                <a:latin typeface="함초롬바탕" panose="02030604000101010101" pitchFamily="18" charset="-127"/>
+                <a:latin typeface="D2Coding" panose="020B0609020101020101" pitchFamily="49" charset="-127"/>
+                <a:ea typeface="D2Coding" panose="020B0609020101020101" pitchFamily="49" charset="-127"/>
                 <a:cs typeface="함초롬바탕" panose="02030604000101010101" pitchFamily="18" charset="-127"/>
               </a:rPr>
               <a:t>간격으로 </a:t>
             </a:r>
             <a:r>
-              <a:rPr lang="en-US" altLang="ko-KR" spc="-103" dirty="0">
+              <a:rPr lang="en-US" altLang="ko-KR" sz="2000" spc="-103" dirty="0">
                 <a:solidFill>
                   <a:prstClr val="black"/>
                 </a:solidFill>
-                <a:latin typeface="Consolas" panose="020B0609020204030204" pitchFamily="49" charset="0"/>
+                <a:latin typeface="D2Coding" panose="020B0609020101020101" pitchFamily="49" charset="-127"/>
+                <a:ea typeface="D2Coding" panose="020B0609020101020101" pitchFamily="49" charset="-127"/>
                 <a:cs typeface="Book Antiqua"/>
               </a:rPr>
               <a:t>5</a:t>
             </a:r>
             <a:r>
-              <a:rPr lang="ko-KR" altLang="en-US" sz="1400" spc="-103" dirty="0">
+              <a:rPr lang="ko-KR" altLang="en-US" sz="2000" spc="-103" dirty="0">
                 <a:solidFill>
                   <a:prstClr val="black"/>
                 </a:solidFill>
-                <a:latin typeface="함초롬바탕" panose="02030604000101010101" pitchFamily="18" charset="-127"/>
+                <a:latin typeface="D2Coding" panose="020B0609020101020101" pitchFamily="49" charset="-127"/>
+                <a:ea typeface="D2Coding" panose="020B0609020101020101" pitchFamily="49" charset="-127"/>
                 <a:cs typeface="함초롬바탕" panose="02030604000101010101" pitchFamily="18" charset="-127"/>
               </a:rPr>
               <a:t>번</a:t>
             </a:r>
             <a:r>
-              <a:rPr lang="ko-KR" altLang="en-US" sz="1400" spc="-84" dirty="0">
+              <a:rPr lang="ko-KR" altLang="en-US" sz="2000" spc="-84" dirty="0">
                 <a:solidFill>
                   <a:prstClr val="black"/>
                 </a:solidFill>
-                <a:latin typeface="함초롬바탕" panose="02030604000101010101" pitchFamily="18" charset="-127"/>
+                <a:latin typeface="D2Coding" panose="020B0609020101020101" pitchFamily="49" charset="-127"/>
+                <a:ea typeface="D2Coding" panose="020B0609020101020101" pitchFamily="49" charset="-127"/>
                 <a:cs typeface="함초롬바탕" panose="02030604000101010101" pitchFamily="18" charset="-127"/>
               </a:rPr>
               <a:t> </a:t>
             </a:r>
             <a:r>
-              <a:rPr lang="ko-KR" altLang="en-US" sz="1400" spc="-89" dirty="0">
+              <a:rPr lang="ko-KR" altLang="en-US" sz="2000" spc="-89" dirty="0">
                 <a:solidFill>
                   <a:prstClr val="black"/>
                 </a:solidFill>
-                <a:latin typeface="함초롬바탕" panose="02030604000101010101" pitchFamily="18" charset="-127"/>
+                <a:latin typeface="D2Coding" panose="020B0609020101020101" pitchFamily="49" charset="-127"/>
+                <a:ea typeface="D2Coding" panose="020B0609020101020101" pitchFamily="49" charset="-127"/>
                 <a:cs typeface="함초롬바탕" panose="02030604000101010101" pitchFamily="18" charset="-127"/>
               </a:rPr>
               <a:t>조사</a:t>
             </a:r>
-            <a:endParaRPr lang="ko-KR" altLang="en-US" sz="1400" dirty="0">
+            <a:endParaRPr lang="ko-KR" altLang="en-US" sz="2000" dirty="0">
               <a:solidFill>
                 <a:prstClr val="black"/>
               </a:solidFill>
-              <a:latin typeface="함초롬바탕" panose="02030604000101010101" pitchFamily="18" charset="-127"/>
+              <a:latin typeface="D2Coding" panose="020B0609020101020101" pitchFamily="49" charset="-127"/>
+              <a:ea typeface="D2Coding" panose="020B0609020101020101" pitchFamily="49" charset="-127"/>
               <a:cs typeface="함초롬바탕" panose="02030604000101010101" pitchFamily="18" charset="-127"/>
             </a:endParaRPr>
           </a:p>
           <a:p>
-            <a:endParaRPr lang="en-US" altLang="ko-KR" dirty="0" smtClean="0"/>
-          </a:p>
-          <a:p>
-            <a:r>
-              <a:rPr lang="ko-KR" altLang="en-US" dirty="0" smtClean="0"/>
-              <a:t>실습</a:t>
-            </a:r>
-            <a:endParaRPr lang="ko-KR" altLang="en-US" dirty="0"/>
+            <a:endParaRPr lang="en-US" altLang="ko-KR" sz="2000" dirty="0" smtClean="0">
+              <a:latin typeface="D2Coding" panose="020B0609020101020101" pitchFamily="49" charset="-127"/>
+              <a:ea typeface="D2Coding" panose="020B0609020101020101" pitchFamily="49" charset="-127"/>
+            </a:endParaRPr>
+          </a:p>
+        </p:txBody>
+      </p:sp>
+      <p:sp>
+        <p:nvSpPr>
+          <p:cNvPr id="4" name="모서리가 둥근 직사각형 3"/>
+          <p:cNvSpPr/>
+          <p:nvPr/>
+        </p:nvSpPr>
+        <p:spPr>
+          <a:xfrm>
+            <a:off x="3179136" y="523055"/>
+            <a:ext cx="1297172" cy="327550"/>
+          </a:xfrm>
+          <a:prstGeom prst="roundRect">
+            <a:avLst/>
+          </a:prstGeom>
+          <a:noFill/>
+          <a:ln w="28575">
+            <a:solidFill>
+              <a:schemeClr val="accent2"/>
+            </a:solidFill>
+          </a:ln>
+        </p:spPr>
+        <p:style>
+          <a:lnRef idx="2">
+            <a:schemeClr val="accent1">
+              <a:shade val="50000"/>
+            </a:schemeClr>
+          </a:lnRef>
+          <a:fillRef idx="1">
+            <a:schemeClr val="accent1"/>
+          </a:fillRef>
+          <a:effectRef idx="0">
+            <a:schemeClr val="accent1"/>
+          </a:effectRef>
+          <a:fontRef idx="minor">
+            <a:schemeClr val="lt1"/>
+          </a:fontRef>
+        </p:style>
+        <p:txBody>
+          <a:bodyPr rtlCol="0" anchor="ctr"/>
+          <a:lstStyle/>
+          <a:p>
+            <a:pPr algn="ctr"/>
+            <a:endParaRPr lang="ko-KR" altLang="en-US"/>
           </a:p>
         </p:txBody>
       </p:sp>
